--- a/docs/Networking II.pptx
+++ b/docs/Networking II.pptx
@@ -12671,8 +12671,8 @@
         </p:blipFill>
         <p:spPr>
           <a:xfrm>
-            <a:off x="1240553" y="3412178"/>
-            <a:ext cx="6662896" cy="1380600"/>
+            <a:off x="1928800" y="3378488"/>
+            <a:ext cx="5286375" cy="1457325"/>
           </a:xfrm>
           <a:prstGeom prst="rect">
             <a:avLst/>
